--- a/documents/Identify Diversely OwnedMonsoonMasters.pptx
+++ b/documents/Identify Diversely OwnedMonsoonMasters.pptx
@@ -7,17 +7,17 @@
   <p:sldIdLst>
     <p:sldId id="256" r:id="rId2"/>
     <p:sldId id="257" r:id="rId3"/>
-    <p:sldId id="260" r:id="rId4"/>
-    <p:sldId id="259" r:id="rId5"/>
-    <p:sldId id="263" r:id="rId6"/>
-    <p:sldId id="265" r:id="rId7"/>
-    <p:sldId id="266" r:id="rId8"/>
-    <p:sldId id="264" r:id="rId9"/>
-    <p:sldId id="261" r:id="rId10"/>
-    <p:sldId id="262" r:id="rId11"/>
-    <p:sldId id="267" r:id="rId12"/>
-    <p:sldId id="268" r:id="rId13"/>
-    <p:sldId id="272" r:id="rId14"/>
+    <p:sldId id="273" r:id="rId4"/>
+    <p:sldId id="260" r:id="rId5"/>
+    <p:sldId id="259" r:id="rId6"/>
+    <p:sldId id="263" r:id="rId7"/>
+    <p:sldId id="265" r:id="rId8"/>
+    <p:sldId id="266" r:id="rId9"/>
+    <p:sldId id="264" r:id="rId10"/>
+    <p:sldId id="261" r:id="rId11"/>
+    <p:sldId id="262" r:id="rId12"/>
+    <p:sldId id="267" r:id="rId13"/>
+    <p:sldId id="268" r:id="rId14"/>
     <p:sldId id="269" r:id="rId15"/>
     <p:sldId id="270" r:id="rId16"/>
     <p:sldId id="271" r:id="rId17"/>
@@ -128,6 +128,14 @@
 </p:presentation>
 </file>
 
+<file path=ppt/revisionInfo.xml><?xml version="1.0" encoding="utf-8"?>
+<p1510:revInfo xmlns:a="http://schemas.openxmlformats.org/drawingml/2006/main" xmlns:r="http://schemas.openxmlformats.org/officeDocument/2006/relationships" xmlns:p1510="http://schemas.microsoft.com/office/powerpoint/2015/10/main">
+  <p1510:revLst>
+    <p1510:client id="{FE821159-8CFB-495F-9E3E-FAD6E9970BBF}" v="2" dt="2022-05-30T08:49:48.072"/>
+  </p1510:revLst>
+</p1510:revInfo>
+</file>
+
 <file path=ppt/slideLayouts/slideLayout1.xml><?xml version="1.0" encoding="utf-8"?>
 <p:sldLayout xmlns:a="http://schemas.openxmlformats.org/drawingml/2006/main" xmlns:r="http://schemas.openxmlformats.org/officeDocument/2006/relationships" xmlns:p="http://schemas.openxmlformats.org/presentationml/2006/main" type="title" preserve="1">
   <p:cSld name="Title Slide">
@@ -277,7 +285,7 @@
           <a:p>
             <a:fld id="{3E0F1158-46D1-424E-9A66-CAE21A1C56CF}" type="datetimeFigureOut">
               <a:rPr lang="en-IN" smtClean="0"/>
-              <a:t>16-05-2022</a:t>
+              <a:t>30-05-2022</a:t>
             </a:fld>
             <a:endParaRPr lang="en-IN"/>
           </a:p>
@@ -477,7 +485,7 @@
           <a:p>
             <a:fld id="{3E0F1158-46D1-424E-9A66-CAE21A1C56CF}" type="datetimeFigureOut">
               <a:rPr lang="en-IN" smtClean="0"/>
-              <a:t>16-05-2022</a:t>
+              <a:t>30-05-2022</a:t>
             </a:fld>
             <a:endParaRPr lang="en-IN"/>
           </a:p>
@@ -687,7 +695,7 @@
           <a:p>
             <a:fld id="{3E0F1158-46D1-424E-9A66-CAE21A1C56CF}" type="datetimeFigureOut">
               <a:rPr lang="en-IN" smtClean="0"/>
-              <a:t>16-05-2022</a:t>
+              <a:t>30-05-2022</a:t>
             </a:fld>
             <a:endParaRPr lang="en-IN"/>
           </a:p>
@@ -887,7 +895,7 @@
           <a:p>
             <a:fld id="{3E0F1158-46D1-424E-9A66-CAE21A1C56CF}" type="datetimeFigureOut">
               <a:rPr lang="en-IN" smtClean="0"/>
-              <a:t>16-05-2022</a:t>
+              <a:t>30-05-2022</a:t>
             </a:fld>
             <a:endParaRPr lang="en-IN"/>
           </a:p>
@@ -1163,7 +1171,7 @@
           <a:p>
             <a:fld id="{3E0F1158-46D1-424E-9A66-CAE21A1C56CF}" type="datetimeFigureOut">
               <a:rPr lang="en-IN" smtClean="0"/>
-              <a:t>16-05-2022</a:t>
+              <a:t>30-05-2022</a:t>
             </a:fld>
             <a:endParaRPr lang="en-IN"/>
           </a:p>
@@ -1431,7 +1439,7 @@
           <a:p>
             <a:fld id="{3E0F1158-46D1-424E-9A66-CAE21A1C56CF}" type="datetimeFigureOut">
               <a:rPr lang="en-IN" smtClean="0"/>
-              <a:t>16-05-2022</a:t>
+              <a:t>30-05-2022</a:t>
             </a:fld>
             <a:endParaRPr lang="en-IN"/>
           </a:p>
@@ -1846,7 +1854,7 @@
           <a:p>
             <a:fld id="{3E0F1158-46D1-424E-9A66-CAE21A1C56CF}" type="datetimeFigureOut">
               <a:rPr lang="en-IN" smtClean="0"/>
-              <a:t>16-05-2022</a:t>
+              <a:t>30-05-2022</a:t>
             </a:fld>
             <a:endParaRPr lang="en-IN"/>
           </a:p>
@@ -1988,7 +1996,7 @@
           <a:p>
             <a:fld id="{3E0F1158-46D1-424E-9A66-CAE21A1C56CF}" type="datetimeFigureOut">
               <a:rPr lang="en-IN" smtClean="0"/>
-              <a:t>16-05-2022</a:t>
+              <a:t>30-05-2022</a:t>
             </a:fld>
             <a:endParaRPr lang="en-IN"/>
           </a:p>
@@ -2101,7 +2109,7 @@
           <a:p>
             <a:fld id="{3E0F1158-46D1-424E-9A66-CAE21A1C56CF}" type="datetimeFigureOut">
               <a:rPr lang="en-IN" smtClean="0"/>
-              <a:t>16-05-2022</a:t>
+              <a:t>30-05-2022</a:t>
             </a:fld>
             <a:endParaRPr lang="en-IN"/>
           </a:p>
@@ -2414,7 +2422,7 @@
           <a:p>
             <a:fld id="{3E0F1158-46D1-424E-9A66-CAE21A1C56CF}" type="datetimeFigureOut">
               <a:rPr lang="en-IN" smtClean="0"/>
-              <a:t>16-05-2022</a:t>
+              <a:t>30-05-2022</a:t>
             </a:fld>
             <a:endParaRPr lang="en-IN"/>
           </a:p>
@@ -2703,7 +2711,7 @@
           <a:p>
             <a:fld id="{3E0F1158-46D1-424E-9A66-CAE21A1C56CF}" type="datetimeFigureOut">
               <a:rPr lang="en-IN" smtClean="0"/>
-              <a:t>16-05-2022</a:t>
+              <a:t>30-05-2022</a:t>
             </a:fld>
             <a:endParaRPr lang="en-IN"/>
           </a:p>
@@ -2946,7 +2954,7 @@
           <a:p>
             <a:fld id="{3E0F1158-46D1-424E-9A66-CAE21A1C56CF}" type="datetimeFigureOut">
               <a:rPr lang="en-IN" smtClean="0"/>
-              <a:t>16-05-2022</a:t>
+              <a:t>30-05-2022</a:t>
             </a:fld>
             <a:endParaRPr lang="en-IN"/>
           </a:p>
@@ -3420,8 +3428,8 @@
         </p:nvSpPr>
         <p:spPr>
           <a:xfrm>
-            <a:off x="266699" y="1733549"/>
-            <a:ext cx="11515726" cy="4276725"/>
+            <a:off x="266699" y="1733550"/>
+            <a:ext cx="11515726" cy="3679526"/>
           </a:xfrm>
         </p:spPr>
         <p:txBody>
@@ -3461,6 +3469,74 @@
           <a:p>
             <a:pPr algn="r"/>
             <a:endParaRPr lang="en-IN" dirty="0"/>
+          </a:p>
+        </p:txBody>
+      </p:sp>
+      <p:sp>
+        <p:nvSpPr>
+          <p:cNvPr id="4" name="TextBox 3">
+            <a:extLst>
+              <a:ext uri="{FF2B5EF4-FFF2-40B4-BE49-F238E27FC236}">
+                <a16:creationId xmlns:a16="http://schemas.microsoft.com/office/drawing/2014/main" id="{B878645B-EC2D-8AEA-423D-55D180EC448D}"/>
+              </a:ext>
+            </a:extLst>
+          </p:cNvPr>
+          <p:cNvSpPr txBox="1"/>
+          <p:nvPr/>
+        </p:nvSpPr>
+        <p:spPr>
+          <a:xfrm>
+            <a:off x="488291" y="5640942"/>
+            <a:ext cx="10720118" cy="307777"/>
+          </a:xfrm>
+          <a:prstGeom prst="rect">
+            <a:avLst/>
+          </a:prstGeom>
+          <a:noFill/>
+        </p:spPr>
+        <p:txBody>
+          <a:bodyPr wrap="square" rtlCol="0">
+            <a:spAutoFit/>
+          </a:bodyPr>
+          <a:lstStyle/>
+          <a:p>
+            <a:r>
+              <a:rPr lang="en-US" sz="1400" b="1" dirty="0"/>
+              <a:t>Team: </a:t>
+            </a:r>
+            <a:r>
+              <a:rPr lang="en-US" sz="1400" b="1" dirty="0" err="1"/>
+              <a:t>Raghunandan</a:t>
+            </a:r>
+            <a:r>
+              <a:rPr lang="en-US" sz="1400" b="1" dirty="0"/>
+              <a:t> S. Deshpande, </a:t>
+            </a:r>
+            <a:r>
+              <a:rPr lang="en-US" sz="1400" b="1" dirty="0" err="1"/>
+              <a:t>Delli</a:t>
+            </a:r>
+            <a:r>
+              <a:rPr lang="en-US" sz="1400" b="1" dirty="0"/>
+              <a:t> </a:t>
+            </a:r>
+            <a:r>
+              <a:rPr lang="en-US" sz="1400" b="1" dirty="0" err="1"/>
+              <a:t>Kilari</a:t>
+            </a:r>
+            <a:r>
+              <a:rPr lang="en-US" sz="1400" b="1" dirty="0"/>
+              <a:t>, Rupali S. Bute, Arvind Ramalingam, Satya </a:t>
+            </a:r>
+            <a:r>
+              <a:rPr lang="en-US" sz="1400" b="1" dirty="0" err="1"/>
+              <a:t>Shanmukesh</a:t>
+            </a:r>
+            <a:r>
+              <a:rPr lang="en-US" sz="1400" b="1" dirty="0"/>
+              <a:t>, Uttiyo Kar</a:t>
+            </a:r>
+            <a:endParaRPr lang="en-IN" sz="1400" b="1" dirty="0"/>
           </a:p>
         </p:txBody>
       </p:sp>
@@ -3494,46 +3570,148 @@
           <a:chExt cx="0" cy="0"/>
         </a:xfrm>
       </p:grpSpPr>
-      <p:pic>
-        <p:nvPicPr>
-          <p:cNvPr id="9" name="Picture 8">
-            <a:extLst>
-              <a:ext uri="{FF2B5EF4-FFF2-40B4-BE49-F238E27FC236}">
-                <a16:creationId xmlns:a16="http://schemas.microsoft.com/office/drawing/2014/main" id="{1A150681-A221-C984-5F1E-B1B673411EA9}"/>
-              </a:ext>
-            </a:extLst>
-          </p:cNvPr>
-          <p:cNvPicPr>
-            <a:picLocks noChangeAspect="1"/>
-          </p:cNvPicPr>
-          <p:nvPr/>
-        </p:nvPicPr>
-        <p:blipFill>
-          <a:blip r:embed="rId2">
-            <a:extLst>
-              <a:ext uri="{28A0092B-C50C-407E-A947-70E740481C1C}">
-                <a14:useLocalDpi xmlns:a14="http://schemas.microsoft.com/office/drawing/2010/main" val="0"/>
-              </a:ext>
-            </a:extLst>
-          </a:blip>
-          <a:stretch>
-            <a:fillRect/>
-          </a:stretch>
-        </p:blipFill>
+      <p:sp>
+        <p:nvSpPr>
+          <p:cNvPr id="2" name="Title 1">
+            <a:extLst>
+              <a:ext uri="{FF2B5EF4-FFF2-40B4-BE49-F238E27FC236}">
+                <a16:creationId xmlns:a16="http://schemas.microsoft.com/office/drawing/2014/main" id="{A36B6B27-A27E-4B11-7D0F-EC94ACFBE337}"/>
+              </a:ext>
+            </a:extLst>
+          </p:cNvPr>
+          <p:cNvSpPr>
+            <a:spLocks noGrp="1"/>
+          </p:cNvSpPr>
+          <p:nvPr>
+            <p:ph type="ctrTitle"/>
+          </p:nvPr>
+        </p:nvSpPr>
         <p:spPr>
           <a:xfrm>
-            <a:off x="2605737" y="228322"/>
-            <a:ext cx="6980525" cy="6401355"/>
+            <a:off x="361950" y="169863"/>
+            <a:ext cx="10972800" cy="1192212"/>
           </a:xfrm>
-          <a:prstGeom prst="rect">
-            <a:avLst/>
-          </a:prstGeom>
         </p:spPr>
-      </p:pic>
+        <p:txBody>
+          <a:bodyPr>
+            <a:normAutofit/>
+          </a:bodyPr>
+          <a:lstStyle/>
+          <a:p>
+            <a:r>
+              <a:rPr lang="en-IN" dirty="0">
+                <a:solidFill>
+                  <a:srgbClr val="FF0000"/>
+                </a:solidFill>
+              </a:rPr>
+              <a:t>Vision for future</a:t>
+            </a:r>
+          </a:p>
+        </p:txBody>
+      </p:sp>
+      <p:sp>
+        <p:nvSpPr>
+          <p:cNvPr id="3" name="Subtitle 2">
+            <a:extLst>
+              <a:ext uri="{FF2B5EF4-FFF2-40B4-BE49-F238E27FC236}">
+                <a16:creationId xmlns:a16="http://schemas.microsoft.com/office/drawing/2014/main" id="{91B691EF-2F8B-6E38-9161-9DDB266A4D87}"/>
+              </a:ext>
+            </a:extLst>
+          </p:cNvPr>
+          <p:cNvSpPr>
+            <a:spLocks noGrp="1"/>
+          </p:cNvSpPr>
+          <p:nvPr>
+            <p:ph type="subTitle" idx="1"/>
+          </p:nvPr>
+        </p:nvSpPr>
+        <p:spPr>
+          <a:xfrm>
+            <a:off x="224658" y="1481301"/>
+            <a:ext cx="11515726" cy="4887968"/>
+          </a:xfrm>
+        </p:spPr>
+        <p:txBody>
+          <a:bodyPr>
+            <a:normAutofit/>
+          </a:bodyPr>
+          <a:lstStyle/>
+          <a:p>
+            <a:pPr marL="342900" indent="-342900" algn="l">
+              <a:buFont typeface="Arial" panose="020B0604020202020204" pitchFamily="34" charset="0"/>
+              <a:buChar char="•"/>
+            </a:pPr>
+            <a:endParaRPr lang="en-IN" dirty="0"/>
+          </a:p>
+          <a:p>
+            <a:pPr marL="342900" indent="-342900" algn="l">
+              <a:buFont typeface="Arial" panose="020B0604020202020204" pitchFamily="34" charset="0"/>
+              <a:buChar char="•"/>
+            </a:pPr>
+            <a:r>
+              <a:rPr lang="en-IN" dirty="0"/>
+              <a:t>Give a diversity score based on the number of diversity parameters and their priority category met (e.g. of priority: Woman +African American&gt;  White + Differently Abled )</a:t>
+            </a:r>
+          </a:p>
+          <a:p>
+            <a:pPr marL="342900" indent="-342900" algn="l">
+              <a:buFont typeface="Arial" panose="020B0604020202020204" pitchFamily="34" charset="0"/>
+              <a:buChar char="•"/>
+            </a:pPr>
+            <a:r>
+              <a:rPr lang="en-IN" dirty="0"/>
+              <a:t>Based on diversity score, generate hyper personalized offer engine, that will create offers to be communicated to targeted diversity audience</a:t>
+            </a:r>
+          </a:p>
+          <a:p>
+            <a:pPr marL="342900" indent="-342900" algn="l">
+              <a:buFont typeface="Arial" panose="020B0604020202020204" pitchFamily="34" charset="0"/>
+              <a:buChar char="•"/>
+            </a:pPr>
+            <a:r>
+              <a:rPr lang="en-IN" dirty="0"/>
+              <a:t>Create awareness about offers via email campaigns, targeted ads on Social Media, educational videos on the special benefits</a:t>
+            </a:r>
+          </a:p>
+          <a:p>
+            <a:pPr marL="342900" indent="-342900" algn="l">
+              <a:buFont typeface="Arial" panose="020B0604020202020204" pitchFamily="34" charset="0"/>
+              <a:buChar char="•"/>
+            </a:pPr>
+            <a:r>
+              <a:rPr lang="en-IN" dirty="0"/>
+              <a:t>For existing customers, use the WF portals for messaging with special offers</a:t>
+            </a:r>
+          </a:p>
+          <a:p>
+            <a:pPr marL="342900" indent="-342900" algn="l">
+              <a:buFont typeface="Arial" panose="020B0604020202020204" pitchFamily="34" charset="0"/>
+              <a:buChar char="•"/>
+            </a:pPr>
+            <a:r>
+              <a:rPr lang="en-IN" dirty="0"/>
+              <a:t>Email service with templates for each diversity category</a:t>
+            </a:r>
+          </a:p>
+          <a:p>
+            <a:endParaRPr lang="en-IN" dirty="0"/>
+          </a:p>
+          <a:p>
+            <a:endParaRPr lang="en-IN" dirty="0"/>
+          </a:p>
+          <a:p>
+            <a:endParaRPr lang="en-IN" dirty="0"/>
+          </a:p>
+          <a:p>
+            <a:pPr algn="r"/>
+            <a:endParaRPr lang="en-IN" dirty="0"/>
+          </a:p>
+        </p:txBody>
+      </p:sp>
     </p:spTree>
     <p:extLst>
       <p:ext uri="{BB962C8B-B14F-4D97-AF65-F5344CB8AC3E}">
-        <p14:creationId xmlns:p14="http://schemas.microsoft.com/office/powerpoint/2010/main" val="921679112"/>
+        <p14:creationId xmlns:p14="http://schemas.microsoft.com/office/powerpoint/2010/main" val="2208949092"/>
       </p:ext>
     </p:extLst>
   </p:cSld>
@@ -3562,19 +3740,17 @@
       </p:grpSpPr>
       <p:pic>
         <p:nvPicPr>
-          <p:cNvPr id="5" name="Content Placeholder 4">
-            <a:extLst>
-              <a:ext uri="{FF2B5EF4-FFF2-40B4-BE49-F238E27FC236}">
-                <a16:creationId xmlns:a16="http://schemas.microsoft.com/office/drawing/2014/main" id="{998CBC02-1777-AFA6-149C-034FE7F5A56C}"/>
+          <p:cNvPr id="9" name="Picture 8">
+            <a:extLst>
+              <a:ext uri="{FF2B5EF4-FFF2-40B4-BE49-F238E27FC236}">
+                <a16:creationId xmlns:a16="http://schemas.microsoft.com/office/drawing/2014/main" id="{1A150681-A221-C984-5F1E-B1B673411EA9}"/>
               </a:ext>
             </a:extLst>
           </p:cNvPr>
           <p:cNvPicPr>
-            <a:picLocks noGrp="1" noChangeAspect="1"/>
+            <a:picLocks noChangeAspect="1"/>
           </p:cNvPicPr>
-          <p:nvPr>
-            <p:ph idx="1"/>
-          </p:nvPr>
+          <p:nvPr/>
         </p:nvPicPr>
         <p:blipFill>
           <a:blip r:embed="rId2">
@@ -3590,15 +3766,18 @@
         </p:blipFill>
         <p:spPr>
           <a:xfrm>
-            <a:off x="2167014" y="365124"/>
-            <a:ext cx="6735445" cy="6233471"/>
+            <a:off x="2605737" y="228322"/>
+            <a:ext cx="6980525" cy="6401355"/>
           </a:xfrm>
+          <a:prstGeom prst="rect">
+            <a:avLst/>
+          </a:prstGeom>
         </p:spPr>
       </p:pic>
     </p:spTree>
     <p:extLst>
       <p:ext uri="{BB962C8B-B14F-4D97-AF65-F5344CB8AC3E}">
-        <p14:creationId xmlns:p14="http://schemas.microsoft.com/office/powerpoint/2010/main" val="3305424126"/>
+        <p14:creationId xmlns:p14="http://schemas.microsoft.com/office/powerpoint/2010/main" val="921679112"/>
       </p:ext>
     </p:extLst>
   </p:cSld>
@@ -3630,7 +3809,7 @@
           <p:cNvPr id="5" name="Content Placeholder 4">
             <a:extLst>
               <a:ext uri="{FF2B5EF4-FFF2-40B4-BE49-F238E27FC236}">
-                <a16:creationId xmlns:a16="http://schemas.microsoft.com/office/drawing/2014/main" id="{FC128441-3756-6CF0-D163-0694AF1D077E}"/>
+                <a16:creationId xmlns:a16="http://schemas.microsoft.com/office/drawing/2014/main" id="{998CBC02-1777-AFA6-149C-034FE7F5A56C}"/>
               </a:ext>
             </a:extLst>
           </p:cNvPr>
@@ -3655,15 +3834,15 @@
         </p:blipFill>
         <p:spPr>
           <a:xfrm>
-            <a:off x="2897900" y="207034"/>
-            <a:ext cx="6396200" cy="5987182"/>
+            <a:off x="2167014" y="365124"/>
+            <a:ext cx="6735445" cy="6233471"/>
           </a:xfrm>
         </p:spPr>
       </p:pic>
     </p:spTree>
     <p:extLst>
       <p:ext uri="{BB962C8B-B14F-4D97-AF65-F5344CB8AC3E}">
-        <p14:creationId xmlns:p14="http://schemas.microsoft.com/office/powerpoint/2010/main" val="1157560988"/>
+        <p14:creationId xmlns:p14="http://schemas.microsoft.com/office/powerpoint/2010/main" val="3305424126"/>
       </p:ext>
     </p:extLst>
   </p:cSld>
@@ -3695,7 +3874,7 @@
           <p:cNvPr id="5" name="Content Placeholder 4">
             <a:extLst>
               <a:ext uri="{FF2B5EF4-FFF2-40B4-BE49-F238E27FC236}">
-                <a16:creationId xmlns:a16="http://schemas.microsoft.com/office/drawing/2014/main" id="{62C5D3C0-5533-5CD0-67EF-4A8B04EC7495}"/>
+                <a16:creationId xmlns:a16="http://schemas.microsoft.com/office/drawing/2014/main" id="{FC128441-3756-6CF0-D163-0694AF1D077E}"/>
               </a:ext>
             </a:extLst>
           </p:cNvPr>
@@ -3720,15 +3899,15 @@
         </p:blipFill>
         <p:spPr>
           <a:xfrm>
-            <a:off x="2749739" y="500107"/>
-            <a:ext cx="6692521" cy="5857786"/>
+            <a:off x="2897900" y="207034"/>
+            <a:ext cx="6396200" cy="5987182"/>
           </a:xfrm>
         </p:spPr>
       </p:pic>
     </p:spTree>
     <p:extLst>
       <p:ext uri="{BB962C8B-B14F-4D97-AF65-F5344CB8AC3E}">
-        <p14:creationId xmlns:p14="http://schemas.microsoft.com/office/powerpoint/2010/main" val="436804369"/>
+        <p14:creationId xmlns:p14="http://schemas.microsoft.com/office/powerpoint/2010/main" val="1157560988"/>
       </p:ext>
     </p:extLst>
   </p:cSld>
@@ -4192,13 +4371,18 @@
           <a:lstStyle/>
           <a:p>
             <a:r>
-              <a:rPr lang="en-IN" dirty="0">
+              <a:rPr lang="en-US" dirty="0">
                 <a:solidFill>
                   <a:srgbClr val="FF0000"/>
                 </a:solidFill>
               </a:rPr>
-              <a:t>Solution Outline</a:t>
-            </a:r>
+              <a:t>Outline</a:t>
+            </a:r>
+            <a:endParaRPr lang="en-IN" dirty="0">
+              <a:solidFill>
+                <a:srgbClr val="FF0000"/>
+              </a:solidFill>
+            </a:endParaRPr>
           </a:p>
         </p:txBody>
       </p:sp>
@@ -4236,7 +4420,7 @@
             </a:pPr>
             <a:r>
               <a:rPr lang="en-IN" dirty="0"/>
-              <a:t>Problem Description</a:t>
+              <a:t>Problem Statement</a:t>
             </a:r>
           </a:p>
           <a:p>
@@ -4256,7 +4440,17 @@
             </a:pPr>
             <a:r>
               <a:rPr lang="en-IN" dirty="0"/>
-              <a:t>HLD(MVP)</a:t>
+              <a:t>High Level Design</a:t>
+            </a:r>
+          </a:p>
+          <a:p>
+            <a:pPr marL="342900" indent="-342900" algn="l">
+              <a:buFont typeface="Arial" panose="020B0604020202020204" pitchFamily="34" charset="0"/>
+              <a:buChar char="•"/>
+            </a:pPr>
+            <a:r>
+              <a:rPr lang="en-IN" dirty="0"/>
+              <a:t>Solution Details</a:t>
             </a:r>
           </a:p>
           <a:p>
@@ -4359,179 +4553,94 @@
           <p:cNvPr id="2" name="Title 1">
             <a:extLst>
               <a:ext uri="{FF2B5EF4-FFF2-40B4-BE49-F238E27FC236}">
-                <a16:creationId xmlns:a16="http://schemas.microsoft.com/office/drawing/2014/main" id="{A36B6B27-A27E-4B11-7D0F-EC94ACFBE337}"/>
-              </a:ext>
-            </a:extLst>
-          </p:cNvPr>
-          <p:cNvSpPr>
-            <a:spLocks noGrp="1"/>
-          </p:cNvSpPr>
-          <p:nvPr>
-            <p:ph type="ctrTitle"/>
-          </p:nvPr>
-        </p:nvSpPr>
-        <p:spPr>
-          <a:xfrm>
-            <a:off x="361950" y="169863"/>
-            <a:ext cx="10972800" cy="1192212"/>
-          </a:xfrm>
-        </p:spPr>
-        <p:txBody>
-          <a:bodyPr>
-            <a:normAutofit/>
-          </a:bodyPr>
-          <a:lstStyle/>
-          <a:p>
-            <a:r>
-              <a:rPr lang="en-IN" dirty="0">
+                <a16:creationId xmlns:a16="http://schemas.microsoft.com/office/drawing/2014/main" id="{4CF01594-8335-4AF2-C025-FCCFCB6D1189}"/>
+              </a:ext>
+            </a:extLst>
+          </p:cNvPr>
+          <p:cNvSpPr>
+            <a:spLocks noGrp="1"/>
+          </p:cNvSpPr>
+          <p:nvPr>
+            <p:ph type="title"/>
+          </p:nvPr>
+        </p:nvSpPr>
+        <p:spPr/>
+        <p:txBody>
+          <a:bodyPr/>
+          <a:lstStyle/>
+          <a:p>
+            <a:pPr algn="ctr"/>
+            <a:r>
+              <a:rPr lang="en-US" sz="6000" dirty="0">
                 <a:solidFill>
                   <a:srgbClr val="FF0000"/>
                 </a:solidFill>
               </a:rPr>
-              <a:t>Solution Approach</a:t>
-            </a:r>
-          </a:p>
-        </p:txBody>
-      </p:sp>
-      <p:sp>
-        <p:nvSpPr>
-          <p:cNvPr id="3" name="Subtitle 2">
-            <a:extLst>
-              <a:ext uri="{FF2B5EF4-FFF2-40B4-BE49-F238E27FC236}">
-                <a16:creationId xmlns:a16="http://schemas.microsoft.com/office/drawing/2014/main" id="{91B691EF-2F8B-6E38-9161-9DDB266A4D87}"/>
-              </a:ext>
-            </a:extLst>
-          </p:cNvPr>
-          <p:cNvSpPr>
-            <a:spLocks noGrp="1"/>
-          </p:cNvSpPr>
-          <p:nvPr>
-            <p:ph type="subTitle" idx="1"/>
-          </p:nvPr>
-        </p:nvSpPr>
-        <p:spPr>
-          <a:xfrm>
-            <a:off x="266699" y="1733549"/>
-            <a:ext cx="11515726" cy="4276725"/>
-          </a:xfrm>
-        </p:spPr>
-        <p:txBody>
-          <a:bodyPr>
-            <a:normAutofit fontScale="92500"/>
-          </a:bodyPr>
-          <a:lstStyle/>
-          <a:p>
-            <a:pPr marL="342900" indent="-342900" algn="l">
-              <a:buFont typeface="Arial" panose="020B0604020202020204" pitchFamily="34" charset="0"/>
-              <a:buChar char="•"/>
-            </a:pPr>
-            <a:r>
-              <a:rPr lang="en-IN" dirty="0"/>
-              <a:t>We have used Azure Logic Apps and Azure ML to implement the solution</a:t>
-            </a:r>
-          </a:p>
-          <a:p>
-            <a:pPr marL="342900" indent="-342900" algn="l">
-              <a:buFont typeface="Arial" panose="020B0604020202020204" pitchFamily="34" charset="0"/>
-              <a:buChar char="•"/>
-            </a:pPr>
-            <a:r>
-              <a:rPr lang="en-IN" dirty="0"/>
-              <a:t>Used Low/Code, No Code Approach</a:t>
-            </a:r>
-          </a:p>
-          <a:p>
-            <a:pPr marL="342900" indent="-342900" algn="l">
-              <a:buFont typeface="Arial" panose="020B0604020202020204" pitchFamily="34" charset="0"/>
-              <a:buChar char="•"/>
-            </a:pPr>
-            <a:r>
-              <a:rPr lang="en-IN" dirty="0"/>
-              <a:t>Most implementation done with Azure Logic Apps(serverless), that simplifies deployment</a:t>
-            </a:r>
-          </a:p>
-          <a:p>
-            <a:pPr marL="342900" indent="-342900" algn="l">
-              <a:buFont typeface="Arial" panose="020B0604020202020204" pitchFamily="34" charset="0"/>
-              <a:buChar char="•"/>
-            </a:pPr>
-            <a:r>
-              <a:rPr lang="en-IN" dirty="0"/>
-              <a:t>The Flow will be:</a:t>
-            </a:r>
-          </a:p>
-          <a:p>
-            <a:pPr algn="l"/>
-            <a:r>
-              <a:rPr lang="en-IN" dirty="0"/>
-              <a:t>     Excel Sheet Provided</a:t>
-            </a:r>
-          </a:p>
-          <a:p>
-            <a:pPr algn="l"/>
-            <a:r>
-              <a:rPr lang="en-IN" dirty="0"/>
-              <a:t>          </a:t>
-            </a:r>
-            <a:r>
-              <a:rPr lang="en-IN" dirty="0">
-                <a:sym typeface="Wingdings" panose="05000000000000000000" pitchFamily="2" charset="2"/>
-              </a:rPr>
-              <a:t></a:t>
-            </a:r>
-            <a:r>
-              <a:rPr lang="en-IN" dirty="0"/>
-              <a:t> Correlate with data from Public APIs, Social Media APIs</a:t>
-            </a:r>
-          </a:p>
-          <a:p>
-            <a:pPr algn="l"/>
-            <a:r>
-              <a:rPr lang="en-IN" dirty="0">
-                <a:sym typeface="Wingdings" panose="05000000000000000000" pitchFamily="2" charset="2"/>
-              </a:rPr>
-              <a:t>                 Curate and create Enriched Data</a:t>
-            </a:r>
-          </a:p>
-          <a:p>
-            <a:pPr algn="l"/>
-            <a:r>
-              <a:rPr lang="en-IN" dirty="0">
-                <a:sym typeface="Wingdings" panose="05000000000000000000" pitchFamily="2" charset="2"/>
-              </a:rPr>
-              <a:t>                    Store Data in Azure Cosmos DB</a:t>
-            </a:r>
-          </a:p>
-          <a:p>
-            <a:pPr algn="l"/>
-            <a:r>
-              <a:rPr lang="en-IN" dirty="0">
-                <a:sym typeface="Wingdings" panose="05000000000000000000" pitchFamily="2" charset="2"/>
-              </a:rPr>
-              <a:t>                       Run Azure ML on the curated data</a:t>
-            </a:r>
-          </a:p>
-          <a:p>
-            <a:pPr algn="l"/>
-            <a:r>
-              <a:rPr lang="en-IN" dirty="0">
-                <a:sym typeface="Wingdings" panose="05000000000000000000" pitchFamily="2" charset="2"/>
-              </a:rPr>
-              <a:t>                          Derive Required labels and update in the excel sheet</a:t>
-            </a:r>
-            <a:endParaRPr lang="en-IN" dirty="0"/>
-          </a:p>
-          <a:p>
-            <a:endParaRPr lang="en-IN" dirty="0"/>
-          </a:p>
-          <a:p>
-            <a:endParaRPr lang="en-IN" dirty="0"/>
-          </a:p>
-          <a:p>
-            <a:endParaRPr lang="en-IN" dirty="0"/>
-          </a:p>
-          <a:p>
-            <a:pPr algn="r"/>
+              <a:t>Problem Statement</a:t>
+            </a:r>
+            <a:endParaRPr lang="en-IN" sz="6000" dirty="0">
+              <a:solidFill>
+                <a:srgbClr val="FF0000"/>
+              </a:solidFill>
+            </a:endParaRPr>
+          </a:p>
+        </p:txBody>
+      </p:sp>
+      <p:sp>
+        <p:nvSpPr>
+          <p:cNvPr id="3" name="Content Placeholder 2">
+            <a:extLst>
+              <a:ext uri="{FF2B5EF4-FFF2-40B4-BE49-F238E27FC236}">
+                <a16:creationId xmlns:a16="http://schemas.microsoft.com/office/drawing/2014/main" id="{EABB2329-2CC4-7ECE-7C47-4DC59978DDED}"/>
+              </a:ext>
+            </a:extLst>
+          </p:cNvPr>
+          <p:cNvSpPr>
+            <a:spLocks noGrp="1"/>
+          </p:cNvSpPr>
+          <p:nvPr>
+            <p:ph idx="1"/>
+          </p:nvPr>
+        </p:nvSpPr>
+        <p:spPr/>
+        <p:txBody>
+          <a:bodyPr/>
+          <a:lstStyle/>
+          <a:p>
+            <a:r>
+              <a:rPr lang="en-US" b="1" dirty="0"/>
+              <a:t>Challenge </a:t>
+            </a:r>
+            <a:r>
+              <a:rPr lang="en-US" dirty="0"/>
+              <a:t>: Identify Diversely Owned/Led Business</a:t>
+            </a:r>
+          </a:p>
+          <a:p>
+            <a:endParaRPr lang="en-US" dirty="0"/>
+          </a:p>
+          <a:p>
+            <a:r>
+              <a:rPr lang="en-US" b="1" dirty="0"/>
+              <a:t>Theme</a:t>
+            </a:r>
+            <a:r>
+              <a:rPr lang="en-US" dirty="0"/>
+              <a:t>: DE&amp;I; Speed</a:t>
+            </a:r>
+          </a:p>
+          <a:p>
+            <a:endParaRPr lang="en-US" dirty="0"/>
+          </a:p>
+          <a:p>
+            <a:r>
+              <a:rPr lang="en-US" b="1" dirty="0"/>
+              <a:t>Description</a:t>
+            </a:r>
+            <a:r>
+              <a:rPr lang="en-US" dirty="0"/>
+              <a:t>: Create technology tools to identify the diversity dimensions of the ownership and/or leadership of commercial customers and prospects</a:t>
+            </a:r>
             <a:endParaRPr lang="en-IN" dirty="0"/>
           </a:p>
         </p:txBody>
@@ -4539,7 +4648,7 @@
     </p:spTree>
     <p:extLst>
       <p:ext uri="{BB962C8B-B14F-4D97-AF65-F5344CB8AC3E}">
-        <p14:creationId xmlns:p14="http://schemas.microsoft.com/office/powerpoint/2010/main" val="410739334"/>
+        <p14:creationId xmlns:p14="http://schemas.microsoft.com/office/powerpoint/2010/main" val="187363531"/>
       </p:ext>
     </p:extLst>
   </p:cSld>
@@ -4584,13 +4693,13 @@
         </p:nvSpPr>
         <p:spPr>
           <a:xfrm>
-            <a:off x="394299" y="295275"/>
-            <a:ext cx="10249788" cy="531033"/>
+            <a:off x="361950" y="169863"/>
+            <a:ext cx="10972800" cy="1192212"/>
           </a:xfrm>
         </p:spPr>
         <p:txBody>
           <a:bodyPr>
-            <a:normAutofit fontScale="90000"/>
+            <a:normAutofit/>
           </a:bodyPr>
           <a:lstStyle/>
           <a:p>
@@ -4602,6 +4711,223 @@
               </a:rPr>
               <a:t>Solution Approach</a:t>
             </a:r>
+          </a:p>
+        </p:txBody>
+      </p:sp>
+      <p:sp>
+        <p:nvSpPr>
+          <p:cNvPr id="3" name="Subtitle 2">
+            <a:extLst>
+              <a:ext uri="{FF2B5EF4-FFF2-40B4-BE49-F238E27FC236}">
+                <a16:creationId xmlns:a16="http://schemas.microsoft.com/office/drawing/2014/main" id="{91B691EF-2F8B-6E38-9161-9DDB266A4D87}"/>
+              </a:ext>
+            </a:extLst>
+          </p:cNvPr>
+          <p:cNvSpPr>
+            <a:spLocks noGrp="1"/>
+          </p:cNvSpPr>
+          <p:nvPr>
+            <p:ph type="subTitle" idx="1"/>
+          </p:nvPr>
+        </p:nvSpPr>
+        <p:spPr>
+          <a:xfrm>
+            <a:off x="266699" y="1733549"/>
+            <a:ext cx="11515726" cy="4276725"/>
+          </a:xfrm>
+        </p:spPr>
+        <p:txBody>
+          <a:bodyPr>
+            <a:normAutofit fontScale="92500"/>
+          </a:bodyPr>
+          <a:lstStyle/>
+          <a:p>
+            <a:pPr marL="342900" indent="-342900" algn="l">
+              <a:buFont typeface="Arial" panose="020B0604020202020204" pitchFamily="34" charset="0"/>
+              <a:buChar char="•"/>
+            </a:pPr>
+            <a:r>
+              <a:rPr lang="en-IN" dirty="0"/>
+              <a:t>We have used Azure Logic Apps and Azure ML to implement the solution.</a:t>
+            </a:r>
+          </a:p>
+          <a:p>
+            <a:pPr marL="342900" indent="-342900" algn="l">
+              <a:buFont typeface="Arial" panose="020B0604020202020204" pitchFamily="34" charset="0"/>
+              <a:buChar char="•"/>
+            </a:pPr>
+            <a:r>
+              <a:rPr lang="en-IN" dirty="0"/>
+              <a:t>Used Low/Code, No Code Approach.</a:t>
+            </a:r>
+          </a:p>
+          <a:p>
+            <a:pPr marL="342900" indent="-342900" algn="l">
+              <a:buFont typeface="Arial" panose="020B0604020202020204" pitchFamily="34" charset="0"/>
+              <a:buChar char="•"/>
+            </a:pPr>
+            <a:r>
+              <a:rPr lang="en-IN" dirty="0"/>
+              <a:t>Most implementation done with Azure Logic Apps(serverless), that simplifies deployment</a:t>
+            </a:r>
+          </a:p>
+          <a:p>
+            <a:pPr marL="342900" indent="-342900" algn="l">
+              <a:buFont typeface="Arial" panose="020B0604020202020204" pitchFamily="34" charset="0"/>
+              <a:buChar char="•"/>
+            </a:pPr>
+            <a:r>
+              <a:rPr lang="en-IN" dirty="0"/>
+              <a:t>The High level data flow is:</a:t>
+            </a:r>
+          </a:p>
+          <a:p>
+            <a:pPr algn="l"/>
+            <a:r>
+              <a:rPr lang="en-IN" dirty="0"/>
+              <a:t>     Excel Sheet Provided</a:t>
+            </a:r>
+          </a:p>
+          <a:p>
+            <a:pPr algn="l"/>
+            <a:r>
+              <a:rPr lang="en-IN" dirty="0"/>
+              <a:t>          </a:t>
+            </a:r>
+            <a:r>
+              <a:rPr lang="en-IN" dirty="0">
+                <a:sym typeface="Wingdings" panose="05000000000000000000" pitchFamily="2" charset="2"/>
+              </a:rPr>
+              <a:t></a:t>
+            </a:r>
+            <a:r>
+              <a:rPr lang="en-IN" dirty="0"/>
+              <a:t> Correlate with data from Public APIs, Social Media APIs</a:t>
+            </a:r>
+          </a:p>
+          <a:p>
+            <a:pPr algn="l"/>
+            <a:r>
+              <a:rPr lang="en-IN" dirty="0">
+                <a:sym typeface="Wingdings" panose="05000000000000000000" pitchFamily="2" charset="2"/>
+              </a:rPr>
+              <a:t>                 Curate and create Enriched Data</a:t>
+            </a:r>
+          </a:p>
+          <a:p>
+            <a:pPr algn="l"/>
+            <a:r>
+              <a:rPr lang="en-IN" dirty="0">
+                <a:sym typeface="Wingdings" panose="05000000000000000000" pitchFamily="2" charset="2"/>
+              </a:rPr>
+              <a:t>                    Store Data in Azure Cosmos DB</a:t>
+            </a:r>
+          </a:p>
+          <a:p>
+            <a:pPr algn="l"/>
+            <a:r>
+              <a:rPr lang="en-IN" dirty="0">
+                <a:sym typeface="Wingdings" panose="05000000000000000000" pitchFamily="2" charset="2"/>
+              </a:rPr>
+              <a:t>                       Run Azure ML on the curated data</a:t>
+            </a:r>
+          </a:p>
+          <a:p>
+            <a:pPr algn="l"/>
+            <a:r>
+              <a:rPr lang="en-IN" dirty="0">
+                <a:sym typeface="Wingdings" panose="05000000000000000000" pitchFamily="2" charset="2"/>
+              </a:rPr>
+              <a:t>                          Derive Required labels and update in the excel sheet</a:t>
+            </a:r>
+            <a:endParaRPr lang="en-IN" dirty="0"/>
+          </a:p>
+          <a:p>
+            <a:endParaRPr lang="en-IN" dirty="0"/>
+          </a:p>
+          <a:p>
+            <a:endParaRPr lang="en-IN" dirty="0"/>
+          </a:p>
+          <a:p>
+            <a:endParaRPr lang="en-IN" dirty="0"/>
+          </a:p>
+          <a:p>
+            <a:pPr algn="r"/>
+            <a:endParaRPr lang="en-IN" dirty="0"/>
+          </a:p>
+        </p:txBody>
+      </p:sp>
+    </p:spTree>
+    <p:extLst>
+      <p:ext uri="{BB962C8B-B14F-4D97-AF65-F5344CB8AC3E}">
+        <p14:creationId xmlns:p14="http://schemas.microsoft.com/office/powerpoint/2010/main" val="410739334"/>
+      </p:ext>
+    </p:extLst>
+  </p:cSld>
+  <p:clrMapOvr>
+    <a:masterClrMapping/>
+  </p:clrMapOvr>
+</p:sld>
+</file>
+
+<file path=ppt/slides/slide5.xml><?xml version="1.0" encoding="utf-8"?>
+<p:sld xmlns:a="http://schemas.openxmlformats.org/drawingml/2006/main" xmlns:r="http://schemas.openxmlformats.org/officeDocument/2006/relationships" xmlns:p="http://schemas.openxmlformats.org/presentationml/2006/main">
+  <p:cSld>
+    <p:spTree>
+      <p:nvGrpSpPr>
+        <p:cNvPr id="1" name=""/>
+        <p:cNvGrpSpPr/>
+        <p:nvPr/>
+      </p:nvGrpSpPr>
+      <p:grpSpPr>
+        <a:xfrm>
+          <a:off x="0" y="0"/>
+          <a:ext cx="0" cy="0"/>
+          <a:chOff x="0" y="0"/>
+          <a:chExt cx="0" cy="0"/>
+        </a:xfrm>
+      </p:grpSpPr>
+      <p:sp>
+        <p:nvSpPr>
+          <p:cNvPr id="2" name="Title 1">
+            <a:extLst>
+              <a:ext uri="{FF2B5EF4-FFF2-40B4-BE49-F238E27FC236}">
+                <a16:creationId xmlns:a16="http://schemas.microsoft.com/office/drawing/2014/main" id="{A36B6B27-A27E-4B11-7D0F-EC94ACFBE337}"/>
+              </a:ext>
+            </a:extLst>
+          </p:cNvPr>
+          <p:cNvSpPr>
+            <a:spLocks noGrp="1"/>
+          </p:cNvSpPr>
+          <p:nvPr>
+            <p:ph type="ctrTitle"/>
+          </p:nvPr>
+        </p:nvSpPr>
+        <p:spPr>
+          <a:xfrm>
+            <a:off x="394299" y="152401"/>
+            <a:ext cx="10249788" cy="673908"/>
+          </a:xfrm>
+        </p:spPr>
+        <p:txBody>
+          <a:bodyPr anchor="t">
+            <a:noAutofit/>
+          </a:bodyPr>
+          <a:lstStyle/>
+          <a:p>
+            <a:r>
+              <a:rPr lang="en-IN" sz="3600" dirty="0">
+                <a:solidFill>
+                  <a:srgbClr val="FF0000"/>
+                </a:solidFill>
+              </a:rPr>
+              <a:t>High Level Design</a:t>
+            </a:r>
+            <a:endParaRPr lang="en-IN" sz="4000" dirty="0">
+              <a:solidFill>
+                <a:srgbClr val="FF0000"/>
+              </a:solidFill>
+            </a:endParaRPr>
           </a:p>
         </p:txBody>
       </p:sp>
@@ -4693,7 +5019,7 @@
 </p:sld>
 </file>
 
-<file path=ppt/slides/slide5.xml><?xml version="1.0" encoding="utf-8"?>
+<file path=ppt/slides/slide6.xml><?xml version="1.0" encoding="utf-8"?>
 <p:sld xmlns:a="http://schemas.openxmlformats.org/drawingml/2006/main" xmlns:r="http://schemas.openxmlformats.org/officeDocument/2006/relationships" xmlns:p="http://schemas.openxmlformats.org/presentationml/2006/main">
   <p:cSld>
     <p:spTree>
@@ -4888,7 +5214,7 @@
 </p:sld>
 </file>
 
-<file path=ppt/slides/slide6.xml><?xml version="1.0" encoding="utf-8"?>
+<file path=ppt/slides/slide7.xml><?xml version="1.0" encoding="utf-8"?>
 <p:sld xmlns:a="http://schemas.openxmlformats.org/drawingml/2006/main" xmlns:r="http://schemas.openxmlformats.org/officeDocument/2006/relationships" xmlns:p="http://schemas.openxmlformats.org/presentationml/2006/main">
   <p:cSld>
     <p:spTree>
@@ -5535,131 +5861,6 @@
 </p:sld>
 </file>
 
-<file path=ppt/slides/slide7.xml><?xml version="1.0" encoding="utf-8"?>
-<p:sld xmlns:a="http://schemas.openxmlformats.org/drawingml/2006/main" xmlns:r="http://schemas.openxmlformats.org/officeDocument/2006/relationships" xmlns:p="http://schemas.openxmlformats.org/presentationml/2006/main">
-  <p:cSld>
-    <p:spTree>
-      <p:nvGrpSpPr>
-        <p:cNvPr id="1" name=""/>
-        <p:cNvGrpSpPr/>
-        <p:nvPr/>
-      </p:nvGrpSpPr>
-      <p:grpSpPr>
-        <a:xfrm>
-          <a:off x="0" y="0"/>
-          <a:ext cx="0" cy="0"/>
-          <a:chOff x="0" y="0"/>
-          <a:chExt cx="0" cy="0"/>
-        </a:xfrm>
-      </p:grpSpPr>
-      <p:sp>
-        <p:nvSpPr>
-          <p:cNvPr id="2" name="Title 1">
-            <a:extLst>
-              <a:ext uri="{FF2B5EF4-FFF2-40B4-BE49-F238E27FC236}">
-                <a16:creationId xmlns:a16="http://schemas.microsoft.com/office/drawing/2014/main" id="{D85A6BEB-05D7-D29F-2587-30CCE10C6466}"/>
-              </a:ext>
-            </a:extLst>
-          </p:cNvPr>
-          <p:cNvSpPr>
-            <a:spLocks noGrp="1"/>
-          </p:cNvSpPr>
-          <p:nvPr>
-            <p:ph type="title"/>
-          </p:nvPr>
-        </p:nvSpPr>
-        <p:spPr/>
-        <p:txBody>
-          <a:bodyPr/>
-          <a:lstStyle/>
-          <a:p>
-            <a:pPr algn="ctr"/>
-            <a:r>
-              <a:rPr lang="en-US" sz="5400" dirty="0">
-                <a:solidFill>
-                  <a:srgbClr val="FF0000"/>
-                </a:solidFill>
-              </a:rPr>
-              <a:t>User Stories</a:t>
-            </a:r>
-            <a:endParaRPr lang="en-IN" sz="5400" dirty="0">
-              <a:solidFill>
-                <a:srgbClr val="FF0000"/>
-              </a:solidFill>
-            </a:endParaRPr>
-          </a:p>
-        </p:txBody>
-      </p:sp>
-      <p:sp>
-        <p:nvSpPr>
-          <p:cNvPr id="3" name="Content Placeholder 2">
-            <a:extLst>
-              <a:ext uri="{FF2B5EF4-FFF2-40B4-BE49-F238E27FC236}">
-                <a16:creationId xmlns:a16="http://schemas.microsoft.com/office/drawing/2014/main" id="{757765F3-E460-D669-B393-E46301A15563}"/>
-              </a:ext>
-            </a:extLst>
-          </p:cNvPr>
-          <p:cNvSpPr>
-            <a:spLocks noGrp="1"/>
-          </p:cNvSpPr>
-          <p:nvPr>
-            <p:ph idx="1"/>
-          </p:nvPr>
-        </p:nvSpPr>
-        <p:spPr/>
-        <p:txBody>
-          <a:bodyPr>
-            <a:normAutofit/>
-          </a:bodyPr>
-          <a:lstStyle/>
-          <a:p>
-            <a:r>
-              <a:rPr lang="en-US" sz="2400" dirty="0"/>
-              <a:t>As a "Bank" I want to "Identify Diverse Led Business" so that "we become the industry leader in diversity and inclusion“</a:t>
-            </a:r>
-          </a:p>
-          <a:p>
-            <a:endParaRPr lang="en-US" sz="2400" dirty="0"/>
-          </a:p>
-          <a:p>
-            <a:r>
-              <a:rPr lang="en-US" sz="2400" dirty="0"/>
-              <a:t>As a “DE&amp;I Initiative Team”  I want to  “provide partial company reference data” so that “I can Identify Diverse Led Business” </a:t>
-            </a:r>
-          </a:p>
-          <a:p>
-            <a:pPr marL="0" indent="0">
-              <a:buNone/>
-            </a:pPr>
-            <a:r>
-              <a:rPr lang="en-US" sz="2400" dirty="0"/>
-              <a:t> </a:t>
-            </a:r>
-          </a:p>
-          <a:p>
-            <a:r>
-              <a:rPr lang="en-US" sz="2400" dirty="0"/>
-              <a:t>As a “Diverse Led Business” I want to “receive friendly offers” so that “I can enhance ease of business ” and “help additional Diverse population”</a:t>
-            </a:r>
-          </a:p>
-          <a:p>
-            <a:endParaRPr lang="en-US" sz="1600" dirty="0"/>
-          </a:p>
-        </p:txBody>
-      </p:sp>
-    </p:spTree>
-    <p:extLst>
-      <p:ext uri="{BB962C8B-B14F-4D97-AF65-F5344CB8AC3E}">
-        <p14:creationId xmlns:p14="http://schemas.microsoft.com/office/powerpoint/2010/main" val="913640686"/>
-      </p:ext>
-    </p:extLst>
-  </p:cSld>
-  <p:clrMapOvr>
-    <a:masterClrMapping/>
-  </p:clrMapOvr>
-</p:sld>
-</file>
-
 <file path=ppt/slides/slide8.xml><?xml version="1.0" encoding="utf-8"?>
 <p:sld xmlns:a="http://schemas.openxmlformats.org/drawingml/2006/main" xmlns:r="http://schemas.openxmlformats.org/officeDocument/2006/relationships" xmlns:p="http://schemas.openxmlformats.org/presentationml/2006/main">
   <p:cSld>
@@ -5677,47 +5878,12 @@
           <a:chExt cx="0" cy="0"/>
         </a:xfrm>
       </p:grpSpPr>
-      <p:pic>
-        <p:nvPicPr>
-          <p:cNvPr id="5" name="Content Placeholder 4">
-            <a:extLst>
-              <a:ext uri="{FF2B5EF4-FFF2-40B4-BE49-F238E27FC236}">
-                <a16:creationId xmlns:a16="http://schemas.microsoft.com/office/drawing/2014/main" id="{E965B1FB-8EFD-242B-AF1F-6F95A79FA028}"/>
-              </a:ext>
-            </a:extLst>
-          </p:cNvPr>
-          <p:cNvPicPr>
-            <a:picLocks noGrp="1" noChangeAspect="1"/>
-          </p:cNvPicPr>
-          <p:nvPr>
-            <p:ph idx="1"/>
-          </p:nvPr>
-        </p:nvPicPr>
-        <p:blipFill>
-          <a:blip r:embed="rId2">
-            <a:extLst>
-              <a:ext uri="{28A0092B-C50C-407E-A947-70E740481C1C}">
-                <a14:useLocalDpi xmlns:a14="http://schemas.microsoft.com/office/drawing/2010/main" val="0"/>
-              </a:ext>
-            </a:extLst>
-          </a:blip>
-          <a:stretch>
-            <a:fillRect/>
-          </a:stretch>
-        </p:blipFill>
-        <p:spPr>
-          <a:xfrm>
-            <a:off x="1149970" y="981529"/>
-            <a:ext cx="9892059" cy="5876471"/>
-          </a:xfrm>
-        </p:spPr>
-      </p:pic>
       <p:sp>
         <p:nvSpPr>
           <p:cNvPr id="2" name="Title 1">
             <a:extLst>
               <a:ext uri="{FF2B5EF4-FFF2-40B4-BE49-F238E27FC236}">
-                <a16:creationId xmlns:a16="http://schemas.microsoft.com/office/drawing/2014/main" id="{EA81059E-ECD6-39C2-7996-031D8F2E4554}"/>
+                <a16:creationId xmlns:a16="http://schemas.microsoft.com/office/drawing/2014/main" id="{D85A6BEB-05D7-D29F-2587-30CCE10C6466}"/>
               </a:ext>
             </a:extLst>
           </p:cNvPr>
@@ -5728,16 +5894,9 @@
             <p:ph type="title"/>
           </p:nvPr>
         </p:nvSpPr>
-        <p:spPr>
-          <a:xfrm>
-            <a:off x="838200" y="365126"/>
-            <a:ext cx="10515600" cy="315912"/>
-          </a:xfrm>
-        </p:spPr>
-        <p:txBody>
-          <a:bodyPr>
-            <a:normAutofit fontScale="90000"/>
-          </a:bodyPr>
+        <p:spPr/>
+        <p:txBody>
+          <a:bodyPr/>
           <a:lstStyle/>
           <a:p>
             <a:pPr algn="ctr"/>
@@ -5747,7 +5906,7 @@
                   <a:srgbClr val="FF0000"/>
                 </a:solidFill>
               </a:rPr>
-              <a:t>Sequence Diagram</a:t>
+              <a:t>User Stories</a:t>
             </a:r>
             <a:endParaRPr lang="en-IN" sz="5400" dirty="0">
               <a:solidFill>
@@ -5757,10 +5916,67 @@
           </a:p>
         </p:txBody>
       </p:sp>
+      <p:sp>
+        <p:nvSpPr>
+          <p:cNvPr id="3" name="Content Placeholder 2">
+            <a:extLst>
+              <a:ext uri="{FF2B5EF4-FFF2-40B4-BE49-F238E27FC236}">
+                <a16:creationId xmlns:a16="http://schemas.microsoft.com/office/drawing/2014/main" id="{757765F3-E460-D669-B393-E46301A15563}"/>
+              </a:ext>
+            </a:extLst>
+          </p:cNvPr>
+          <p:cNvSpPr>
+            <a:spLocks noGrp="1"/>
+          </p:cNvSpPr>
+          <p:nvPr>
+            <p:ph idx="1"/>
+          </p:nvPr>
+        </p:nvSpPr>
+        <p:spPr/>
+        <p:txBody>
+          <a:bodyPr>
+            <a:normAutofit/>
+          </a:bodyPr>
+          <a:lstStyle/>
+          <a:p>
+            <a:r>
+              <a:rPr lang="en-US" sz="2400" dirty="0"/>
+              <a:t>As a "Bank" I want to "Identify Diverse Led Business" so that "we become the industry leader in diversity and inclusion“</a:t>
+            </a:r>
+          </a:p>
+          <a:p>
+            <a:endParaRPr lang="en-US" sz="2400" dirty="0"/>
+          </a:p>
+          <a:p>
+            <a:r>
+              <a:rPr lang="en-US" sz="2400" dirty="0"/>
+              <a:t>As a “DE&amp;I Initiative Team”  I want to  “provide partial company reference data” so that “I can Identify Diverse Led Business” </a:t>
+            </a:r>
+          </a:p>
+          <a:p>
+            <a:pPr marL="0" indent="0">
+              <a:buNone/>
+            </a:pPr>
+            <a:r>
+              <a:rPr lang="en-US" sz="2400" dirty="0"/>
+              <a:t> </a:t>
+            </a:r>
+          </a:p>
+          <a:p>
+            <a:r>
+              <a:rPr lang="en-US" sz="2400" dirty="0"/>
+              <a:t>As a “Diverse Led Business” I want to “receive friendly offers” so that “I can enhance ease of business ” and “help additional Diverse population”</a:t>
+            </a:r>
+          </a:p>
+          <a:p>
+            <a:endParaRPr lang="en-US" sz="1600" dirty="0"/>
+          </a:p>
+        </p:txBody>
+      </p:sp>
     </p:spTree>
     <p:extLst>
       <p:ext uri="{BB962C8B-B14F-4D97-AF65-F5344CB8AC3E}">
-        <p14:creationId xmlns:p14="http://schemas.microsoft.com/office/powerpoint/2010/main" val="450418541"/>
+        <p14:creationId xmlns:p14="http://schemas.microsoft.com/office/powerpoint/2010/main" val="913640686"/>
       </p:ext>
     </p:extLst>
   </p:cSld>
@@ -5787,148 +6003,90 @@
           <a:chExt cx="0" cy="0"/>
         </a:xfrm>
       </p:grpSpPr>
-      <p:sp>
-        <p:nvSpPr>
-          <p:cNvPr id="2" name="Title 1">
-            <a:extLst>
-              <a:ext uri="{FF2B5EF4-FFF2-40B4-BE49-F238E27FC236}">
-                <a16:creationId xmlns:a16="http://schemas.microsoft.com/office/drawing/2014/main" id="{A36B6B27-A27E-4B11-7D0F-EC94ACFBE337}"/>
-              </a:ext>
-            </a:extLst>
-          </p:cNvPr>
-          <p:cNvSpPr>
-            <a:spLocks noGrp="1"/>
-          </p:cNvSpPr>
-          <p:nvPr>
-            <p:ph type="ctrTitle"/>
-          </p:nvPr>
-        </p:nvSpPr>
+      <p:pic>
+        <p:nvPicPr>
+          <p:cNvPr id="5" name="Content Placeholder 4">
+            <a:extLst>
+              <a:ext uri="{FF2B5EF4-FFF2-40B4-BE49-F238E27FC236}">
+                <a16:creationId xmlns:a16="http://schemas.microsoft.com/office/drawing/2014/main" id="{E965B1FB-8EFD-242B-AF1F-6F95A79FA028}"/>
+              </a:ext>
+            </a:extLst>
+          </p:cNvPr>
+          <p:cNvPicPr>
+            <a:picLocks noGrp="1" noChangeAspect="1"/>
+          </p:cNvPicPr>
+          <p:nvPr>
+            <p:ph idx="1"/>
+          </p:nvPr>
+        </p:nvPicPr>
+        <p:blipFill>
+          <a:blip r:embed="rId2">
+            <a:extLst>
+              <a:ext uri="{28A0092B-C50C-407E-A947-70E740481C1C}">
+                <a14:useLocalDpi xmlns:a14="http://schemas.microsoft.com/office/drawing/2010/main" val="0"/>
+              </a:ext>
+            </a:extLst>
+          </a:blip>
+          <a:stretch>
+            <a:fillRect/>
+          </a:stretch>
+        </p:blipFill>
         <p:spPr>
           <a:xfrm>
-            <a:off x="361950" y="169863"/>
-            <a:ext cx="10972800" cy="1192212"/>
+            <a:off x="1149970" y="981529"/>
+            <a:ext cx="9892059" cy="5876471"/>
           </a:xfrm>
         </p:spPr>
+      </p:pic>
+      <p:sp>
+        <p:nvSpPr>
+          <p:cNvPr id="2" name="Title 1">
+            <a:extLst>
+              <a:ext uri="{FF2B5EF4-FFF2-40B4-BE49-F238E27FC236}">
+                <a16:creationId xmlns:a16="http://schemas.microsoft.com/office/drawing/2014/main" id="{EA81059E-ECD6-39C2-7996-031D8F2E4554}"/>
+              </a:ext>
+            </a:extLst>
+          </p:cNvPr>
+          <p:cNvSpPr>
+            <a:spLocks noGrp="1"/>
+          </p:cNvSpPr>
+          <p:nvPr>
+            <p:ph type="title"/>
+          </p:nvPr>
+        </p:nvSpPr>
+        <p:spPr>
+          <a:xfrm>
+            <a:off x="838200" y="365126"/>
+            <a:ext cx="10515600" cy="315912"/>
+          </a:xfrm>
+        </p:spPr>
         <p:txBody>
           <a:bodyPr>
-            <a:normAutofit/>
+            <a:normAutofit fontScale="90000"/>
           </a:bodyPr>
           <a:lstStyle/>
           <a:p>
-            <a:r>
-              <a:rPr lang="en-IN" dirty="0">
+            <a:pPr algn="ctr"/>
+            <a:r>
+              <a:rPr lang="en-US" sz="5400" dirty="0">
                 <a:solidFill>
                   <a:srgbClr val="FF0000"/>
                 </a:solidFill>
               </a:rPr>
-              <a:t>Vision for future</a:t>
-            </a:r>
-          </a:p>
-        </p:txBody>
-      </p:sp>
-      <p:sp>
-        <p:nvSpPr>
-          <p:cNvPr id="3" name="Subtitle 2">
-            <a:extLst>
-              <a:ext uri="{FF2B5EF4-FFF2-40B4-BE49-F238E27FC236}">
-                <a16:creationId xmlns:a16="http://schemas.microsoft.com/office/drawing/2014/main" id="{91B691EF-2F8B-6E38-9161-9DDB266A4D87}"/>
-              </a:ext>
-            </a:extLst>
-          </p:cNvPr>
-          <p:cNvSpPr>
-            <a:spLocks noGrp="1"/>
-          </p:cNvSpPr>
-          <p:nvPr>
-            <p:ph type="subTitle" idx="1"/>
-          </p:nvPr>
-        </p:nvSpPr>
-        <p:spPr>
-          <a:xfrm>
-            <a:off x="224658" y="1481301"/>
-            <a:ext cx="11515726" cy="4887968"/>
-          </a:xfrm>
-        </p:spPr>
-        <p:txBody>
-          <a:bodyPr>
-            <a:normAutofit/>
-          </a:bodyPr>
-          <a:lstStyle/>
-          <a:p>
-            <a:pPr marL="342900" indent="-342900" algn="l">
-              <a:buFont typeface="Arial" panose="020B0604020202020204" pitchFamily="34" charset="0"/>
-              <a:buChar char="•"/>
-            </a:pPr>
-            <a:endParaRPr lang="en-IN" dirty="0"/>
-          </a:p>
-          <a:p>
-            <a:pPr marL="342900" indent="-342900" algn="l">
-              <a:buFont typeface="Arial" panose="020B0604020202020204" pitchFamily="34" charset="0"/>
-              <a:buChar char="•"/>
-            </a:pPr>
-            <a:r>
-              <a:rPr lang="en-IN" dirty="0"/>
-              <a:t>Give a diversity score based on the number of diversity parameters and their priority category met(e.g. of priority: )</a:t>
-            </a:r>
-          </a:p>
-          <a:p>
-            <a:pPr marL="342900" indent="-342900" algn="l">
-              <a:buFont typeface="Arial" panose="020B0604020202020204" pitchFamily="34" charset="0"/>
-              <a:buChar char="•"/>
-            </a:pPr>
-            <a:r>
-              <a:rPr lang="en-IN" dirty="0"/>
-              <a:t>Based on diversity score, generate hyper personalized offer engine, that will create offers to be communicated to targeted diversity audience</a:t>
-            </a:r>
-          </a:p>
-          <a:p>
-            <a:pPr marL="342900" indent="-342900" algn="l">
-              <a:buFont typeface="Arial" panose="020B0604020202020204" pitchFamily="34" charset="0"/>
-              <a:buChar char="•"/>
-            </a:pPr>
-            <a:r>
-              <a:rPr lang="en-IN" dirty="0"/>
-              <a:t>Create awareness about offers via email campaigns, targeted ads on Social Media, educational videos on the special benefits</a:t>
-            </a:r>
-          </a:p>
-          <a:p>
-            <a:pPr marL="342900" indent="-342900" algn="l">
-              <a:buFont typeface="Arial" panose="020B0604020202020204" pitchFamily="34" charset="0"/>
-              <a:buChar char="•"/>
-            </a:pPr>
-            <a:r>
-              <a:rPr lang="en-IN" dirty="0"/>
-              <a:t>For existing customers, use the WF portals for messaging with special offers</a:t>
-            </a:r>
-          </a:p>
-          <a:p>
-            <a:pPr marL="342900" indent="-342900" algn="l">
-              <a:buFont typeface="Arial" panose="020B0604020202020204" pitchFamily="34" charset="0"/>
-              <a:buChar char="•"/>
-            </a:pPr>
-            <a:r>
-              <a:rPr lang="en-IN" dirty="0"/>
-              <a:t>Email service with templates for each diversity category</a:t>
-            </a:r>
-          </a:p>
-          <a:p>
-            <a:endParaRPr lang="en-IN" dirty="0"/>
-          </a:p>
-          <a:p>
-            <a:endParaRPr lang="en-IN" dirty="0"/>
-          </a:p>
-          <a:p>
-            <a:endParaRPr lang="en-IN" dirty="0"/>
-          </a:p>
-          <a:p>
-            <a:pPr algn="r"/>
-            <a:endParaRPr lang="en-IN" dirty="0"/>
+              <a:t>Sequence Diagram</a:t>
+            </a:r>
+            <a:endParaRPr lang="en-IN" sz="5400" dirty="0">
+              <a:solidFill>
+                <a:srgbClr val="FF0000"/>
+              </a:solidFill>
+            </a:endParaRPr>
           </a:p>
         </p:txBody>
       </p:sp>
     </p:spTree>
     <p:extLst>
       <p:ext uri="{BB962C8B-B14F-4D97-AF65-F5344CB8AC3E}">
-        <p14:creationId xmlns:p14="http://schemas.microsoft.com/office/powerpoint/2010/main" val="2208949092"/>
+        <p14:creationId xmlns:p14="http://schemas.microsoft.com/office/powerpoint/2010/main" val="450418541"/>
       </p:ext>
     </p:extLst>
   </p:cSld>

--- a/documents/Identify Diversely OwnedMonsoonMasters.pptx
+++ b/documents/Identify Diversely OwnedMonsoonMasters.pptx
@@ -128,14 +128,6 @@
 </p:presentation>
 </file>
 
-<file path=ppt/revisionInfo.xml><?xml version="1.0" encoding="utf-8"?>
-<p1510:revInfo xmlns:a="http://schemas.openxmlformats.org/drawingml/2006/main" xmlns:r="http://schemas.openxmlformats.org/officeDocument/2006/relationships" xmlns:p1510="http://schemas.microsoft.com/office/powerpoint/2015/10/main">
-  <p1510:revLst>
-    <p1510:client id="{FE821159-8CFB-495F-9E3E-FAD6E9970BBF}" v="2" dt="2022-05-30T08:49:48.072"/>
-  </p1510:revLst>
-</p1510:revInfo>
-</file>
-
 <file path=ppt/slideLayouts/slideLayout1.xml><?xml version="1.0" encoding="utf-8"?>
 <p:sldLayout xmlns:a="http://schemas.openxmlformats.org/drawingml/2006/main" xmlns:r="http://schemas.openxmlformats.org/officeDocument/2006/relationships" xmlns:p="http://schemas.openxmlformats.org/presentationml/2006/main" type="title" preserve="1">
   <p:cSld name="Title Slide">
@@ -285,7 +277,7 @@
           <a:p>
             <a:fld id="{3E0F1158-46D1-424E-9A66-CAE21A1C56CF}" type="datetimeFigureOut">
               <a:rPr lang="en-IN" smtClean="0"/>
-              <a:t>30-05-2022</a:t>
+              <a:t>08-06-2022</a:t>
             </a:fld>
             <a:endParaRPr lang="en-IN"/>
           </a:p>
@@ -485,7 +477,7 @@
           <a:p>
             <a:fld id="{3E0F1158-46D1-424E-9A66-CAE21A1C56CF}" type="datetimeFigureOut">
               <a:rPr lang="en-IN" smtClean="0"/>
-              <a:t>30-05-2022</a:t>
+              <a:t>08-06-2022</a:t>
             </a:fld>
             <a:endParaRPr lang="en-IN"/>
           </a:p>
@@ -695,7 +687,7 @@
           <a:p>
             <a:fld id="{3E0F1158-46D1-424E-9A66-CAE21A1C56CF}" type="datetimeFigureOut">
               <a:rPr lang="en-IN" smtClean="0"/>
-              <a:t>30-05-2022</a:t>
+              <a:t>08-06-2022</a:t>
             </a:fld>
             <a:endParaRPr lang="en-IN"/>
           </a:p>
@@ -895,7 +887,7 @@
           <a:p>
             <a:fld id="{3E0F1158-46D1-424E-9A66-CAE21A1C56CF}" type="datetimeFigureOut">
               <a:rPr lang="en-IN" smtClean="0"/>
-              <a:t>30-05-2022</a:t>
+              <a:t>08-06-2022</a:t>
             </a:fld>
             <a:endParaRPr lang="en-IN"/>
           </a:p>
@@ -1171,7 +1163,7 @@
           <a:p>
             <a:fld id="{3E0F1158-46D1-424E-9A66-CAE21A1C56CF}" type="datetimeFigureOut">
               <a:rPr lang="en-IN" smtClean="0"/>
-              <a:t>30-05-2022</a:t>
+              <a:t>08-06-2022</a:t>
             </a:fld>
             <a:endParaRPr lang="en-IN"/>
           </a:p>
@@ -1439,7 +1431,7 @@
           <a:p>
             <a:fld id="{3E0F1158-46D1-424E-9A66-CAE21A1C56CF}" type="datetimeFigureOut">
               <a:rPr lang="en-IN" smtClean="0"/>
-              <a:t>30-05-2022</a:t>
+              <a:t>08-06-2022</a:t>
             </a:fld>
             <a:endParaRPr lang="en-IN"/>
           </a:p>
@@ -1854,7 +1846,7 @@
           <a:p>
             <a:fld id="{3E0F1158-46D1-424E-9A66-CAE21A1C56CF}" type="datetimeFigureOut">
               <a:rPr lang="en-IN" smtClean="0"/>
-              <a:t>30-05-2022</a:t>
+              <a:t>08-06-2022</a:t>
             </a:fld>
             <a:endParaRPr lang="en-IN"/>
           </a:p>
@@ -1996,7 +1988,7 @@
           <a:p>
             <a:fld id="{3E0F1158-46D1-424E-9A66-CAE21A1C56CF}" type="datetimeFigureOut">
               <a:rPr lang="en-IN" smtClean="0"/>
-              <a:t>30-05-2022</a:t>
+              <a:t>08-06-2022</a:t>
             </a:fld>
             <a:endParaRPr lang="en-IN"/>
           </a:p>
@@ -2109,7 +2101,7 @@
           <a:p>
             <a:fld id="{3E0F1158-46D1-424E-9A66-CAE21A1C56CF}" type="datetimeFigureOut">
               <a:rPr lang="en-IN" smtClean="0"/>
-              <a:t>30-05-2022</a:t>
+              <a:t>08-06-2022</a:t>
             </a:fld>
             <a:endParaRPr lang="en-IN"/>
           </a:p>
@@ -2422,7 +2414,7 @@
           <a:p>
             <a:fld id="{3E0F1158-46D1-424E-9A66-CAE21A1C56CF}" type="datetimeFigureOut">
               <a:rPr lang="en-IN" smtClean="0"/>
-              <a:t>30-05-2022</a:t>
+              <a:t>08-06-2022</a:t>
             </a:fld>
             <a:endParaRPr lang="en-IN"/>
           </a:p>
@@ -2711,7 +2703,7 @@
           <a:p>
             <a:fld id="{3E0F1158-46D1-424E-9A66-CAE21A1C56CF}" type="datetimeFigureOut">
               <a:rPr lang="en-IN" smtClean="0"/>
-              <a:t>30-05-2022</a:t>
+              <a:t>08-06-2022</a:t>
             </a:fld>
             <a:endParaRPr lang="en-IN"/>
           </a:p>
@@ -2954,7 +2946,7 @@
           <a:p>
             <a:fld id="{3E0F1158-46D1-424E-9A66-CAE21A1C56CF}" type="datetimeFigureOut">
               <a:rPr lang="en-IN" smtClean="0"/>
-              <a:t>30-05-2022</a:t>
+              <a:t>08-06-2022</a:t>
             </a:fld>
             <a:endParaRPr lang="en-IN"/>
           </a:p>
@@ -3462,8 +3454,12 @@
           </a:p>
           <a:p>
             <a:r>
+              <a:rPr lang="en-IN" dirty="0"/>
+              <a:t>May</a:t>
+            </a:r>
+            <a:r>
               <a:rPr lang="en-IN" sz="2400" dirty="0"/>
-              <a:t>May 2022</a:t>
+              <a:t> 2022</a:t>
             </a:r>
           </a:p>
           <a:p>
@@ -3650,7 +3646,7 @@
             </a:pPr>
             <a:r>
               <a:rPr lang="en-IN" dirty="0"/>
-              <a:t>Give a diversity score based on the number of diversity parameters and their priority category met (e.g. of priority: Woman +African American&gt;  White + Differently Abled )</a:t>
+              <a:t>Give a diversity score based on the number of diversity parameters and their priority category met (e.g. of priority: Woman +African American&gt;  White + Differently Abled)</a:t>
             </a:r>
           </a:p>
           <a:p>
@@ -4738,7 +4734,7 @@
         </p:spPr>
         <p:txBody>
           <a:bodyPr>
-            <a:normAutofit fontScale="92500"/>
+            <a:normAutofit fontScale="92500" lnSpcReduction="10000"/>
           </a:bodyPr>
           <a:lstStyle/>
           <a:p>
@@ -4748,7 +4744,7 @@
             </a:pPr>
             <a:r>
               <a:rPr lang="en-IN" dirty="0"/>
-              <a:t>We have used Azure Logic Apps and Azure ML to implement the solution.</a:t>
+              <a:t>Azure Logic Apps and Azure ML to implement the solution.</a:t>
             </a:r>
           </a:p>
           <a:p>
@@ -4758,7 +4754,7 @@
             </a:pPr>
             <a:r>
               <a:rPr lang="en-IN" dirty="0"/>
-              <a:t>Used Low/Code, No Code Approach.</a:t>
+              <a:t>Low Code, No Code Approach.</a:t>
             </a:r>
           </a:p>
           <a:p>
@@ -4768,7 +4764,7 @@
             </a:pPr>
             <a:r>
               <a:rPr lang="en-IN" dirty="0"/>
-              <a:t>Most implementation done with Azure Logic Apps(serverless), that simplifies deployment</a:t>
+              <a:t>Most of the implementation done with Azure Logic Apps (serverless), that simplifies deployment.</a:t>
             </a:r>
           </a:p>
           <a:p>
